--- a/Mandal_Prithwish_cv.pptx
+++ b/Mandal_Prithwish_cv.pptx
@@ -13035,22 +13035,11 @@
             </a:r>
           </a:p>
           <a:p>
-            <a:pPr marL="0" marR="0" lvl="1" indent="0" algn="just" defTabSz="913943" rtl="0" eaLnBrk="1" fontAlgn="auto" latinLnBrk="0" hangingPunct="1">
-              <a:lnSpc>
-                <a:spcPct val="100000"/>
-              </a:lnSpc>
-              <a:spcBef>
-                <a:spcPct val="20000"/>
-              </a:spcBef>
-              <a:spcAft>
-                <a:spcPts val="0"/>
-              </a:spcAft>
+            <a:pPr marL="179387" lvl="2" indent="0" algn="just">
               <a:buClr>
                 <a:srgbClr val="FFE600"/>
               </a:buClr>
-              <a:buSzPct val="70000"/>
               <a:buNone/>
-              <a:tabLst/>
               <a:defRPr/>
             </a:pPr>
             <a:r>
@@ -13061,7 +13050,7 @@
                 <a:latin typeface="EYInterstate" panose="02000503020000020004" pitchFamily="2" charset="0"/>
                 <a:cs typeface="Arial" pitchFamily="34" charset="0"/>
               </a:rPr>
-              <a:t>      1.   </a:t>
+              <a:t>       1.    </a:t>
             </a:r>
             <a:r>
               <a:rPr lang="en-IN" sz="1000" dirty="0"/>
@@ -13083,29 +13072,16 @@
               <a:rPr lang="en-IN" sz="1000" dirty="0"/>
               <a:t>, and seamless API and database integration for</a:t>
             </a:r>
-          </a:p>
-          <a:p>
-            <a:pPr marL="0" lvl="1" indent="0" algn="just">
-              <a:buClr>
-                <a:srgbClr val="FFE600"/>
-              </a:buClr>
-              <a:buNone/>
-              <a:defRPr/>
-            </a:pPr>
-            <a:r>
-              <a:rPr lang="en-IN" sz="1000" dirty="0"/>
-              <a:t>             </a:t>
-            </a:r>
             <a:r>
               <a:rPr lang="en-IN" sz="1000" dirty="0">
                 <a:latin typeface="EYInterstate" panose="02000503020000020004" pitchFamily="2" charset="0"/>
                 <a:cs typeface="Arial" pitchFamily="34" charset="0"/>
               </a:rPr>
-              <a:t>efficient execution.</a:t>
+              <a:t>.</a:t>
             </a:r>
           </a:p>
           <a:p>
-            <a:pPr marL="179387" lvl="2" indent="0" algn="just">
+            <a:pPr marL="404812" lvl="3" indent="0" algn="just">
               <a:buClr>
                 <a:srgbClr val="FFE600"/>
               </a:buClr>
@@ -13147,7 +13123,7 @@
             </a:endParaRPr>
           </a:p>
           <a:p>
-            <a:pPr marL="179387" lvl="2" indent="0" algn="just">
+            <a:pPr marL="404812" lvl="3" indent="0" algn="just">
               <a:buClr>
                 <a:srgbClr val="FFE600"/>
               </a:buClr>
@@ -13186,7 +13162,7 @@
             </a:r>
           </a:p>
           <a:p>
-            <a:pPr marL="179387" lvl="2" indent="0" algn="just">
+            <a:pPr marL="404812" lvl="3" indent="0" algn="just">
               <a:buClr>
                 <a:srgbClr val="FFE600"/>
               </a:buClr>
@@ -13199,7 +13175,7 @@
             </a:r>
           </a:p>
           <a:p>
-            <a:pPr marL="179387" lvl="2" indent="0" algn="just">
+            <a:pPr marL="404812" lvl="3" indent="0" algn="just">
               <a:buClr>
                 <a:srgbClr val="FFE600"/>
               </a:buClr>
@@ -13212,7 +13188,7 @@
             </a:r>
           </a:p>
           <a:p>
-            <a:pPr marL="179387" lvl="2" indent="0" algn="just">
+            <a:pPr marL="404812" lvl="3" indent="0" algn="just">
               <a:buClr>
                 <a:srgbClr val="FFE600"/>
               </a:buClr>
@@ -13225,7 +13201,7 @@
             </a:r>
           </a:p>
           <a:p>
-            <a:pPr marL="179387" lvl="2" indent="0" algn="just">
+            <a:pPr marL="404812" lvl="3" indent="0" algn="just">
               <a:buClr>
                 <a:srgbClr val="FFE600"/>
               </a:buClr>
@@ -13246,7 +13222,7 @@
             </a:r>
           </a:p>
           <a:p>
-            <a:pPr marL="179387" lvl="2" indent="0" algn="just">
+            <a:pPr marL="404812" lvl="3" indent="0" algn="just">
               <a:buClr>
                 <a:srgbClr val="FFE600"/>
               </a:buClr>
@@ -13259,7 +13235,7 @@
             </a:r>
           </a:p>
           <a:p>
-            <a:pPr marL="179387" lvl="2" indent="0" algn="just">
+            <a:pPr marL="404812" lvl="3" indent="0" algn="just">
               <a:buClr>
                 <a:srgbClr val="FFE600"/>
               </a:buClr>
@@ -13272,7 +13248,7 @@
             </a:r>
           </a:p>
           <a:p>
-            <a:pPr marL="179387" lvl="2" indent="0" algn="just">
+            <a:pPr marL="404812" lvl="3" indent="0" algn="just">
               <a:buClr>
                 <a:srgbClr val="FFE600"/>
               </a:buClr>
@@ -13281,7 +13257,7 @@
             </a:pPr>
             <a:r>
               <a:rPr lang="en-IN" sz="1000" dirty="0"/>
-              <a:t> 7.   Built an AI-driven AWS Lambda alerting system using Isolation Forest and K-Means for anomaly detection, with real-time alerts to</a:t>
+              <a:t> 7.  Built an AI-driven AWS Lambda alerting system using Isolation Forest and K-Means for anomaly detection, with real-time alerts to</a:t>
             </a:r>
             <a:br>
               <a:rPr lang="en-IN" sz="1000" dirty="0"/>
@@ -13292,7 +13268,7 @@
             </a:r>
           </a:p>
           <a:p>
-            <a:pPr marL="179387" lvl="2" indent="0" algn="just">
+            <a:pPr marL="404812" lvl="3" indent="0" algn="just">
               <a:buClr>
                 <a:srgbClr val="FFE600"/>
               </a:buClr>
@@ -13313,7 +13289,7 @@
             </a:r>
           </a:p>
           <a:p>
-            <a:pPr marL="179387" lvl="2" indent="0" algn="just">
+            <a:pPr marL="404812" lvl="3" indent="0" algn="just">
               <a:buClr>
                 <a:srgbClr val="FFE600"/>
               </a:buClr>
@@ -13377,22 +13353,11 @@
             </a:r>
           </a:p>
           <a:p>
-            <a:pPr marL="0" marR="0" lvl="1" indent="0" algn="just" defTabSz="913943" rtl="0" eaLnBrk="1" fontAlgn="auto" latinLnBrk="0" hangingPunct="1">
-              <a:lnSpc>
-                <a:spcPct val="100000"/>
-              </a:lnSpc>
-              <a:spcBef>
-                <a:spcPct val="20000"/>
-              </a:spcBef>
-              <a:spcAft>
-                <a:spcPts val="0"/>
-              </a:spcAft>
+            <a:pPr marL="179387" lvl="2" indent="0" algn="just">
               <a:buClr>
                 <a:srgbClr val="FFE600"/>
               </a:buClr>
-              <a:buSzPct val="70000"/>
               <a:buNone/>
-              <a:tabLst/>
               <a:defRPr/>
             </a:pPr>
             <a:r>
@@ -13403,7 +13368,7 @@
                 <a:latin typeface="EYInterstate" panose="02000503020000020004" pitchFamily="2" charset="0"/>
                 <a:cs typeface="Arial" pitchFamily="34" charset="0"/>
               </a:rPr>
-              <a:t>      1.  </a:t>
+              <a:t>       1.  </a:t>
             </a:r>
             <a:r>
               <a:rPr lang="en-IN" sz="1000" dirty="0"/>
@@ -13411,22 +13376,11 @@
             </a:r>
           </a:p>
           <a:p>
-            <a:pPr marL="0" marR="0" lvl="1" indent="0" algn="just" defTabSz="913943" rtl="0" eaLnBrk="1" fontAlgn="auto" latinLnBrk="0" hangingPunct="1">
-              <a:lnSpc>
-                <a:spcPct val="100000"/>
-              </a:lnSpc>
-              <a:spcBef>
-                <a:spcPct val="20000"/>
-              </a:spcBef>
-              <a:spcAft>
-                <a:spcPts val="0"/>
-              </a:spcAft>
+            <a:pPr marL="179387" lvl="2" indent="0" algn="just">
               <a:buClr>
                 <a:srgbClr val="FFE600"/>
               </a:buClr>
-              <a:buSzPct val="70000"/>
               <a:buNone/>
-              <a:tabLst/>
               <a:defRPr/>
             </a:pPr>
             <a:r>
@@ -13434,7 +13388,7 @@
                 <a:latin typeface="EYInterstate" panose="02000503020000020004" pitchFamily="2" charset="0"/>
                 <a:cs typeface="Arial" pitchFamily="34" charset="0"/>
               </a:rPr>
-              <a:t>    </a:t>
+              <a:t>     </a:t>
             </a:r>
             <a:r>
               <a:rPr lang="en-IN" sz="1000" dirty="0">
@@ -13449,7 +13403,7 @@
             </a:r>
           </a:p>
           <a:p>
-            <a:pPr marL="0" lvl="1" indent="0" algn="just">
+            <a:pPr marL="179387" lvl="2" indent="0" algn="just">
               <a:buClr>
                 <a:srgbClr val="FFE600"/>
               </a:buClr>
@@ -13458,11 +13412,11 @@
             </a:pPr>
             <a:r>
               <a:rPr lang="en-IN" sz="1000" dirty="0"/>
-              <a:t>            forecasts.</a:t>
+              <a:t>             forecasts.</a:t>
             </a:r>
           </a:p>
           <a:p>
-            <a:pPr marL="0" lvl="1" indent="0" algn="just">
+            <a:pPr marL="179387" lvl="2" indent="0" algn="just">
               <a:buClr>
                 <a:srgbClr val="FFE600"/>
               </a:buClr>
@@ -13471,11 +13425,11 @@
             </a:pPr>
             <a:r>
               <a:rPr lang="en-IN" sz="1000" dirty="0"/>
-              <a:t>      3.  Built an NLP chatbot using machine learning, leveraging text preprocessing, sentiment analysis, and LSTM for sentiment-driven</a:t>
+              <a:t>       3.  Built an NLP chatbot using machine learning, leveraging text preprocessing, sentiment analysis, and LSTM for sentiment-driven</a:t>
             </a:r>
           </a:p>
           <a:p>
-            <a:pPr marL="0" lvl="1" indent="0" algn="just">
+            <a:pPr marL="179387" lvl="2" indent="0" algn="just">
               <a:buClr>
                 <a:srgbClr val="FFE600"/>
               </a:buClr>
@@ -13484,7 +13438,7 @@
             </a:pPr>
             <a:r>
               <a:rPr lang="en-IN" sz="1000" dirty="0"/>
-              <a:t>            responses.</a:t>
+              <a:t>             responses.</a:t>
             </a:r>
           </a:p>
           <a:p>
@@ -15010,42 +14964,42 @@
           <p:nvPr>
             <p:extLst>
               <p:ext uri="{D42A27DB-BD31-4B8C-83A1-F6EECF244321}">
-                <p14:modId xmlns:p14="http://schemas.microsoft.com/office/powerpoint/2010/main" val="3182164697"/>
+                <p14:modId xmlns:p14="http://schemas.microsoft.com/office/powerpoint/2010/main" val="2317010869"/>
               </p:ext>
             </p:extLst>
           </p:nvPr>
         </p:nvGraphicFramePr>
         <p:xfrm>
-          <a:off x="3322323" y="2"/>
-          <a:ext cx="6186320" cy="1684020"/>
+          <a:off x="4288715" y="-20320"/>
+          <a:ext cx="4824805" cy="1836420"/>
         </p:xfrm>
         <a:graphic>
           <a:graphicData uri="http://schemas.openxmlformats.org/drawingml/2006/table">
             <a:tbl>
               <a:tblPr firstRow="1" bandRow="1"/>
               <a:tblGrid>
-                <a:gridCol w="1333989">
+                <a:gridCol w="1016470">
                   <a:extLst>
                     <a:ext uri="{9D8B030D-6E8A-4147-A177-3AD203B41FA5}">
                       <a16:colId xmlns:a16="http://schemas.microsoft.com/office/drawing/2014/main" val="2488110130"/>
                     </a:ext>
                   </a:extLst>
                 </a:gridCol>
-                <a:gridCol w="1301623">
+                <a:gridCol w="991808">
                   <a:extLst>
                     <a:ext uri="{9D8B030D-6E8A-4147-A177-3AD203B41FA5}">
                       <a16:colId xmlns:a16="http://schemas.microsoft.com/office/drawing/2014/main" val="20000"/>
                     </a:ext>
                   </a:extLst>
                 </a:gridCol>
-                <a:gridCol w="1792186">
+                <a:gridCol w="1365608">
                   <a:extLst>
                     <a:ext uri="{9D8B030D-6E8A-4147-A177-3AD203B41FA5}">
                       <a16:colId xmlns:a16="http://schemas.microsoft.com/office/drawing/2014/main" val="3902652165"/>
                     </a:ext>
                   </a:extLst>
                 </a:gridCol>
-                <a:gridCol w="1758522">
+                <a:gridCol w="1450919">
                   <a:extLst>
                     <a:ext uri="{9D8B030D-6E8A-4147-A177-3AD203B41FA5}">
                       <a16:colId xmlns:a16="http://schemas.microsoft.com/office/drawing/2014/main" val="20002"/>
@@ -15053,7 +15007,7 @@
                   </a:extLst>
                 </a:gridCol>
               </a:tblGrid>
-              <a:tr h="234196">
+              <a:tr h="224562">
                 <a:tc gridSpan="4">
                   <a:txBody>
                     <a:bodyPr/>
@@ -15303,7 +15257,7 @@
                   </a:ext>
                 </a:extLst>
               </a:tr>
-              <a:tr h="227099">
+              <a:tr h="353856">
                 <a:tc>
                   <a:txBody>
                     <a:bodyPr/>
@@ -15926,7 +15880,7 @@
                   </a:ext>
                 </a:extLst>
               </a:tr>
-              <a:tr h="1107109">
+              <a:tr h="1061568">
                 <a:tc>
                   <a:txBody>
                     <a:bodyPr/>
@@ -16006,7 +15960,7 @@
                     </a:lstStyle>
                     <a:p>
                       <a:r>
-                        <a:rPr lang="en-IN" sz="900" b="1" dirty="0">
+                        <a:rPr lang="en-IN" sz="900" b="0" dirty="0">
                           <a:solidFill>
                             <a:schemeClr val="tx1"/>
                           </a:solidFill>
@@ -16016,7 +15970,7 @@
                       </a:r>
                     </a:p>
                     <a:p>
-                      <a:endParaRPr lang="en-IN" sz="900" b="1" dirty="0">
+                      <a:endParaRPr lang="en-IN" sz="900" b="0" dirty="0">
                         <a:solidFill>
                           <a:schemeClr val="tx1"/>
                         </a:solidFill>
@@ -16025,7 +15979,7 @@
                     </a:p>
                     <a:p>
                       <a:r>
-                        <a:rPr lang="en-IN" sz="900" b="1" dirty="0">
+                        <a:rPr lang="en-IN" sz="900" b="0" dirty="0">
                           <a:solidFill>
                             <a:schemeClr val="tx1"/>
                           </a:solidFill>
@@ -16035,7 +15989,7 @@
                       </a:r>
                     </a:p>
                     <a:p>
-                      <a:endParaRPr lang="en-IN" sz="900" b="1" dirty="0">
+                      <a:endParaRPr lang="en-IN" sz="900" b="0" dirty="0">
                         <a:solidFill>
                           <a:schemeClr val="tx1"/>
                         </a:solidFill>
@@ -16044,7 +15998,7 @@
                     </a:p>
                     <a:p>
                       <a:r>
-                        <a:rPr lang="en-IN" sz="900" b="1" dirty="0">
+                        <a:rPr lang="en-IN" sz="900" b="0" dirty="0">
                           <a:solidFill>
                             <a:schemeClr val="tx1"/>
                           </a:solidFill>
@@ -16193,7 +16147,7 @@
                     </a:lstStyle>
                     <a:p>
                       <a:r>
-                        <a:rPr lang="en-IN" sz="900" b="1" dirty="0">
+                        <a:rPr lang="en-IN" sz="900" b="0" dirty="0">
                           <a:solidFill>
                             <a:schemeClr val="tx1"/>
                           </a:solidFill>
@@ -16202,7 +16156,7 @@
                         <a:t>GitHub Actions,</a:t>
                       </a:r>
                       <a:br>
-                        <a:rPr lang="en-IN" sz="900" b="1" dirty="0">
+                        <a:rPr lang="en-IN" sz="900" b="0" dirty="0">
                           <a:solidFill>
                             <a:schemeClr val="tx1"/>
                           </a:solidFill>
@@ -16210,7 +16164,7 @@
                         </a:rPr>
                       </a:br>
                       <a:br>
-                        <a:rPr lang="en-IN" sz="900" b="1" dirty="0">
+                        <a:rPr lang="en-IN" sz="900" b="0" dirty="0">
                           <a:solidFill>
                             <a:schemeClr val="tx1"/>
                           </a:solidFill>
@@ -16218,7 +16172,7 @@
                         </a:rPr>
                       </a:br>
                       <a:r>
-                        <a:rPr lang="en-IN" sz="900" b="1" dirty="0">
+                        <a:rPr lang="en-IN" sz="900" b="0" dirty="0">
                           <a:solidFill>
                             <a:schemeClr val="tx1"/>
                           </a:solidFill>
@@ -16227,7 +16181,7 @@
                         <a:t>Terraform , Ansible</a:t>
                       </a:r>
                       <a:br>
-                        <a:rPr lang="en-IN" sz="900" b="1" dirty="0">
+                        <a:rPr lang="en-IN" sz="900" b="0" dirty="0">
                           <a:solidFill>
                             <a:schemeClr val="tx1"/>
                           </a:solidFill>
@@ -16235,7 +16189,7 @@
                         </a:rPr>
                       </a:br>
                       <a:br>
-                        <a:rPr lang="en-IN" sz="900" b="1" dirty="0">
+                        <a:rPr lang="en-IN" sz="900" b="0" dirty="0">
                           <a:solidFill>
                             <a:schemeClr val="tx1"/>
                           </a:solidFill>
@@ -16243,7 +16197,7 @@
                         </a:rPr>
                       </a:br>
                       <a:r>
-                        <a:rPr lang="en-IN" sz="900" b="1" dirty="0">
+                        <a:rPr lang="en-IN" sz="900" b="0" dirty="0">
                           <a:solidFill>
                             <a:schemeClr val="tx1"/>
                           </a:solidFill>
@@ -16392,7 +16346,7 @@
                     </a:lstStyle>
                     <a:p>
                       <a:r>
-                        <a:rPr lang="en-IN" sz="900" b="1" dirty="0">
+                        <a:rPr lang="en-IN" sz="900" b="0" dirty="0">
                           <a:solidFill>
                             <a:schemeClr val="tx1"/>
                           </a:solidFill>
@@ -16401,7 +16355,7 @@
                         <a:t>AWS , Azure</a:t>
                       </a:r>
                       <a:br>
-                        <a:rPr lang="en-IN" sz="900" b="1" dirty="0">
+                        <a:rPr lang="en-IN" sz="900" b="0" dirty="0">
                           <a:solidFill>
                             <a:schemeClr val="tx1"/>
                           </a:solidFill>
@@ -16409,7 +16363,7 @@
                         </a:rPr>
                       </a:br>
                       <a:br>
-                        <a:rPr lang="en-IN" sz="900" b="1" dirty="0">
+                        <a:rPr lang="en-IN" sz="900" b="0" dirty="0">
                           <a:solidFill>
                             <a:schemeClr val="tx1"/>
                           </a:solidFill>
@@ -16417,7 +16371,7 @@
                         </a:rPr>
                       </a:br>
                       <a:r>
-                        <a:rPr lang="en-IN" sz="900" b="1" dirty="0">
+                        <a:rPr lang="en-IN" sz="900" b="0" dirty="0">
                           <a:solidFill>
                             <a:schemeClr val="tx1"/>
                           </a:solidFill>
@@ -16632,17 +16586,17 @@
                         <a:defRPr/>
                       </a:pPr>
                       <a:r>
-                        <a:rPr lang="en-IN" sz="900" b="1" dirty="0">
+                        <a:rPr lang="en-IN" sz="900" b="0" dirty="0">
                           <a:latin typeface="EYInterstate" panose="02000503020000020004" pitchFamily="2" charset="0"/>
                         </a:rPr>
                         <a:t>Django , Flask</a:t>
                       </a:r>
                       <a:br>
-                        <a:rPr lang="en-IN" sz="900" b="1" dirty="0">
+                        <a:rPr lang="en-IN" sz="900" b="0" dirty="0">
                           <a:latin typeface="EYInterstate" panose="02000503020000020004" pitchFamily="2" charset="0"/>
                         </a:rPr>
                       </a:br>
-                      <a:endParaRPr lang="en-IN" sz="900" b="1" dirty="0">
+                      <a:endParaRPr lang="en-IN" sz="900" b="0" dirty="0">
                         <a:latin typeface="EYInterstate" panose="02000503020000020004" pitchFamily="2" charset="0"/>
                       </a:endParaRPr>
                     </a:p>
@@ -16665,7 +16619,7 @@
                         <a:defRPr/>
                       </a:pPr>
                       <a:r>
-                        <a:rPr lang="en-IN" sz="900" b="1" dirty="0">
+                        <a:rPr lang="en-IN" sz="900" b="0" dirty="0">
                           <a:latin typeface="EYInterstate" panose="02000503020000020004" pitchFamily="2" charset="0"/>
                         </a:rPr>
                         <a:t>Spring Boot Framework</a:t>

--- a/Mandal_Prithwish_cv.pptx
+++ b/Mandal_Prithwish_cv.pptx
@@ -12254,10 +12254,10 @@
         </p:nvGrpSpPr>
         <p:grpSpPr>
           <a:xfrm>
-            <a:off x="163725" y="156947"/>
-            <a:ext cx="9247176" cy="1022281"/>
-            <a:chOff x="2379480" y="260110"/>
-            <a:chExt cx="9247176" cy="1022281"/>
+            <a:off x="155360" y="114879"/>
+            <a:ext cx="9984315" cy="1504778"/>
+            <a:chOff x="2406003" y="332619"/>
+            <a:chExt cx="9220653" cy="949772"/>
           </a:xfrm>
         </p:grpSpPr>
         <p:sp>
@@ -12274,8 +12274,8 @@
           </p:nvSpPr>
           <p:spPr>
             <a:xfrm>
-              <a:off x="2379480" y="260110"/>
-              <a:ext cx="2692421" cy="307777"/>
+              <a:off x="2406003" y="332619"/>
+              <a:ext cx="1554828" cy="194260"/>
             </a:xfrm>
             <a:prstGeom prst="rect">
               <a:avLst/>
@@ -13035,23 +13035,39 @@
             </a:r>
           </a:p>
           <a:p>
-            <a:pPr marL="179387" lvl="2" indent="0" algn="just">
+            <a:pPr marL="576262" lvl="3" indent="-171450" algn="just">
               <a:buClr>
                 <a:srgbClr val="FFE600"/>
               </a:buClr>
-              <a:buNone/>
+              <a:buFont typeface="Wingdings" panose="05000000000000000000" pitchFamily="2" charset="2"/>
+              <a:buChar char="ü"/>
               <a:defRPr/>
             </a:pPr>
             <a:r>
-              <a:rPr lang="en-GB" sz="1000" dirty="0">
-                <a:solidFill>
-                  <a:srgbClr val="000000"/>
-                </a:solidFill>
-                <a:latin typeface="EYInterstate" panose="02000503020000020004" pitchFamily="2" charset="0"/>
-                <a:cs typeface="Arial" pitchFamily="34" charset="0"/>
-              </a:rPr>
-              <a:t>       1.    </a:t>
+              <a:rPr lang="en-IN" sz="1000" dirty="0"/>
+              <a:t>Developed an AI-driven system for survey data processing, analytics, and real-time predictions using AWS Lambda, S3, Glue,</a:t>
             </a:r>
+            <a:br>
+              <a:rPr lang="en-IN" sz="1000" dirty="0"/>
+            </a:br>
+            <a:r>
+              <a:rPr lang="en-IN" sz="1000" dirty="0" err="1"/>
+              <a:t>Sagemaker</a:t>
+            </a:r>
+            <a:r>
+              <a:rPr lang="en-IN" sz="1000" dirty="0"/>
+              <a:t>, Bedrock.</a:t>
+            </a:r>
+          </a:p>
+          <a:p>
+            <a:pPr marL="576262" lvl="3" indent="-171450" algn="just">
+              <a:buClr>
+                <a:srgbClr val="FFE600"/>
+              </a:buClr>
+              <a:buFont typeface="Wingdings" panose="05000000000000000000" pitchFamily="2" charset="2"/>
+              <a:buChar char="ü"/>
+              <a:defRPr/>
+            </a:pPr>
             <a:r>
               <a:rPr lang="en-IN" sz="1000" dirty="0"/>
               <a:t>Designed an </a:t>
@@ -13070,49 +13086,7 @@
             </a:r>
             <a:r>
               <a:rPr lang="en-IN" sz="1000" dirty="0"/>
-              <a:t>, and seamless API and database integration for</a:t>
-            </a:r>
-            <a:r>
-              <a:rPr lang="en-IN" sz="1000" dirty="0">
-                <a:latin typeface="EYInterstate" panose="02000503020000020004" pitchFamily="2" charset="0"/>
-                <a:cs typeface="Arial" pitchFamily="34" charset="0"/>
-              </a:rPr>
-              <a:t>.</a:t>
-            </a:r>
-          </a:p>
-          <a:p>
-            <a:pPr marL="404812" lvl="3" indent="0" algn="just">
-              <a:buClr>
-                <a:srgbClr val="FFE600"/>
-              </a:buClr>
-              <a:buNone/>
-              <a:defRPr/>
-            </a:pPr>
-            <a:r>
-              <a:rPr lang="en-IN" sz="1000" dirty="0">
-                <a:latin typeface="EYInterstate" panose="02000503020000020004" pitchFamily="2" charset="0"/>
-                <a:cs typeface="Arial" pitchFamily="34" charset="0"/>
-              </a:rPr>
-              <a:t> 2.  </a:t>
-            </a:r>
-            <a:r>
-              <a:rPr lang="en-IN" sz="1000" dirty="0"/>
-              <a:t>Developed an AI-driven system for survey data processing, analytics, and real-time predictions using AWS Lambda, S3, Glue,</a:t>
-            </a:r>
-            <a:br>
-              <a:rPr lang="en-IN" sz="1000" dirty="0"/>
-            </a:br>
-            <a:r>
-              <a:rPr lang="en-IN" sz="1000" dirty="0"/>
-              <a:t>        </a:t>
-            </a:r>
-            <a:r>
-              <a:rPr lang="en-IN" sz="1000" dirty="0" err="1"/>
-              <a:t>Sagemaker</a:t>
-            </a:r>
-            <a:r>
-              <a:rPr lang="en-IN" sz="1000" dirty="0"/>
-              <a:t>, Bedrock.</a:t>
+              <a:t>, and seamless API and database integration.</a:t>
             </a:r>
             <a:endParaRPr lang="en-IN" sz="1000" dirty="0">
               <a:solidFill>
@@ -13123,23 +13097,14 @@
             </a:endParaRPr>
           </a:p>
           <a:p>
-            <a:pPr marL="404812" lvl="3" indent="0" algn="just">
+            <a:pPr marL="576262" lvl="3" indent="-171450" algn="just">
               <a:buClr>
                 <a:srgbClr val="FFE600"/>
               </a:buClr>
-              <a:buNone/>
+              <a:buFont typeface="Wingdings" panose="05000000000000000000" pitchFamily="2" charset="2"/>
+              <a:buChar char="ü"/>
               <a:defRPr/>
             </a:pPr>
-            <a:r>
-              <a:rPr lang="en-IN" sz="1000" dirty="0">
-                <a:solidFill>
-                  <a:srgbClr val="000000"/>
-                </a:solidFill>
-                <a:latin typeface="EYInterstate" panose="02000503020000020004" pitchFamily="2" charset="0"/>
-                <a:cs typeface="Arial" pitchFamily="34" charset="0"/>
-              </a:rPr>
-              <a:t> 3.   </a:t>
-            </a:r>
             <a:r>
               <a:rPr lang="en-IN" sz="1000" dirty="0"/>
               <a:t>Developed a </a:t>
@@ -13162,16 +13127,31 @@
             </a:r>
           </a:p>
           <a:p>
-            <a:pPr marL="404812" lvl="3" indent="0" algn="just">
+            <a:pPr marL="576262" lvl="3" indent="-171450" algn="just">
               <a:buClr>
                 <a:srgbClr val="FFE600"/>
               </a:buClr>
-              <a:buNone/>
+              <a:buFont typeface="Wingdings" panose="05000000000000000000" pitchFamily="2" charset="2"/>
+              <a:buChar char="ü"/>
               <a:defRPr/>
             </a:pPr>
             <a:r>
               <a:rPr lang="en-IN" sz="1000" dirty="0"/>
-              <a:t>        Python, KQL, and a Flask-based PostgreSQL system.</a:t>
+              <a:t>Python, KQL, and a Flask-based PostgreSQL system.</a:t>
+            </a:r>
+          </a:p>
+          <a:p>
+            <a:pPr marL="576262" lvl="3" indent="-171450" algn="just">
+              <a:buClr>
+                <a:srgbClr val="FFE600"/>
+              </a:buClr>
+              <a:buFont typeface="Wingdings" panose="05000000000000000000" pitchFamily="2" charset="2"/>
+              <a:buChar char="ü"/>
+              <a:defRPr/>
+            </a:pPr>
+            <a:r>
+              <a:rPr lang="en-IN" sz="1000" dirty="0"/>
+              <a:t>Experienced in AI-driven AWS monitoring, using CloudWatch, X-Ray, and CloudTrail with ML algorithms for anomaly detection,   </a:t>
             </a:r>
           </a:p>
           <a:p>
@@ -13184,33 +13164,21 @@
             </a:pPr>
             <a:r>
               <a:rPr lang="en-IN" sz="1000" dirty="0"/>
-              <a:t> 4.   Experienced in AI-driven AWS monitoring, using CloudWatch, X-Ray, and CloudTrail with ML algorithms for anomaly detection,   </a:t>
+              <a:t>     trend analysis, and optimized resource management.</a:t>
             </a:r>
           </a:p>
           <a:p>
-            <a:pPr marL="404812" lvl="3" indent="0" algn="just">
+            <a:pPr marL="576262" lvl="3" indent="-171450" algn="just">
               <a:buClr>
                 <a:srgbClr val="FFE600"/>
               </a:buClr>
-              <a:buNone/>
+              <a:buFont typeface="Wingdings" panose="05000000000000000000" pitchFamily="2" charset="2"/>
+              <a:buChar char="ü"/>
               <a:defRPr/>
             </a:pPr>
             <a:r>
               <a:rPr lang="en-IN" sz="1000" dirty="0"/>
-              <a:t>        trend analysis, and optimized resource management.</a:t>
-            </a:r>
-          </a:p>
-          <a:p>
-            <a:pPr marL="404812" lvl="3" indent="0" algn="just">
-              <a:buClr>
-                <a:srgbClr val="FFE600"/>
-              </a:buClr>
-              <a:buNone/>
-              <a:defRPr/>
-            </a:pPr>
-            <a:r>
-              <a:rPr lang="en-IN" sz="1000" dirty="0"/>
-              <a:t> 5.   Built an AI chatbot with </a:t>
+              <a:t>Built an AI chatbot with </a:t>
             </a:r>
             <a:r>
               <a:rPr lang="en-IN" sz="1000" dirty="0" err="1"/>
@@ -13231,53 +13199,56 @@
             </a:pPr>
             <a:r>
               <a:rPr lang="en-IN" sz="1000" dirty="0"/>
-              <a:t>        responses.</a:t>
+              <a:t>     responses.</a:t>
             </a:r>
           </a:p>
           <a:p>
-            <a:pPr marL="404812" lvl="3" indent="0" algn="just">
+            <a:pPr marL="576262" lvl="3" indent="-171450" algn="just">
               <a:buClr>
                 <a:srgbClr val="FFE600"/>
               </a:buClr>
-              <a:buNone/>
+              <a:buFont typeface="Wingdings" panose="05000000000000000000" pitchFamily="2" charset="2"/>
+              <a:buChar char="ü"/>
               <a:defRPr/>
             </a:pPr>
             <a:r>
               <a:rPr lang="en-IN" sz="1000" dirty="0"/>
-              <a:t> 6.   Deployed a scalable Django app on AWS using Docker, Helm, EKS, and ECR with CI/CD using GitHub Actions.</a:t>
+              <a:t>Deployed a scalable Django app on AWS using Docker, Helm, EKS, and ECR with CI/CD using GitHub Actions.</a:t>
             </a:r>
           </a:p>
           <a:p>
-            <a:pPr marL="404812" lvl="3" indent="0" algn="just">
+            <a:pPr marL="576262" lvl="3" indent="-171450" algn="just">
               <a:buClr>
                 <a:srgbClr val="FFE600"/>
               </a:buClr>
-              <a:buNone/>
+              <a:buFont typeface="Wingdings" panose="05000000000000000000" pitchFamily="2" charset="2"/>
+              <a:buChar char="ü"/>
               <a:defRPr/>
             </a:pPr>
             <a:r>
               <a:rPr lang="en-IN" sz="1000" dirty="0"/>
-              <a:t> 7.  Built an AI-driven AWS Lambda alerting system using Isolation Forest and K-Means for anomaly detection, with real-time alerts to</a:t>
+              <a:t>Built an AI-driven AWS Lambda alerting system using Isolation Forest and K-Means for anomaly detection, with real-time alerts to</a:t>
             </a:r>
             <a:br>
               <a:rPr lang="en-IN" sz="1000" dirty="0"/>
             </a:br>
             <a:r>
               <a:rPr lang="en-IN" sz="1000" dirty="0"/>
-              <a:t>        Microsoft Teams and Email.</a:t>
+              <a:t>Microsoft Teams and Email.</a:t>
             </a:r>
           </a:p>
           <a:p>
-            <a:pPr marL="404812" lvl="3" indent="0" algn="just">
+            <a:pPr marL="576262" lvl="3" indent="-171450" algn="just">
               <a:buClr>
                 <a:srgbClr val="FFE600"/>
               </a:buClr>
-              <a:buNone/>
+              <a:buFont typeface="Wingdings" panose="05000000000000000000" pitchFamily="2" charset="2"/>
+              <a:buChar char="ü"/>
               <a:defRPr/>
             </a:pPr>
             <a:r>
               <a:rPr lang="en-IN" sz="1000" dirty="0"/>
-              <a:t> 8.   Developed a deep learning model using </a:t>
+              <a:t>Developed a deep learning model using </a:t>
             </a:r>
             <a:r>
               <a:rPr lang="en-IN" sz="1000" dirty="0" err="1"/>
@@ -13298,7 +13269,7 @@
             </a:pPr>
             <a:r>
               <a:rPr lang="en-IN" sz="1000" dirty="0"/>
-              <a:t>        preprocessing and evaluation.</a:t>
+              <a:t>     preprocessing and evaluation.</a:t>
             </a:r>
           </a:p>
           <a:p>
@@ -13353,11 +13324,12 @@
             </a:r>
           </a:p>
           <a:p>
-            <a:pPr marL="179387" lvl="2" indent="0" algn="just">
+            <a:pPr marL="350837" lvl="2" algn="just">
               <a:buClr>
                 <a:srgbClr val="FFE600"/>
               </a:buClr>
-              <a:buNone/>
+              <a:buFont typeface="Wingdings" panose="05000000000000000000" pitchFamily="2" charset="2"/>
+              <a:buChar char="ü"/>
               <a:defRPr/>
             </a:pPr>
             <a:r>
@@ -13368,7 +13340,7 @@
                 <a:latin typeface="EYInterstate" panose="02000503020000020004" pitchFamily="2" charset="0"/>
                 <a:cs typeface="Arial" pitchFamily="34" charset="0"/>
               </a:rPr>
-              <a:t>       1.  </a:t>
+              <a:t>            </a:t>
             </a:r>
             <a:r>
               <a:rPr lang="en-IN" sz="1000" dirty="0"/>
@@ -13376,11 +13348,12 @@
             </a:r>
           </a:p>
           <a:p>
-            <a:pPr marL="179387" lvl="2" indent="0" algn="just">
+            <a:pPr marL="465137" lvl="2" indent="-285750" algn="just">
               <a:buClr>
                 <a:srgbClr val="FFE600"/>
               </a:buClr>
-              <a:buNone/>
+              <a:buFont typeface="Wingdings" panose="05000000000000000000" pitchFamily="2" charset="2"/>
+              <a:buChar char="ü"/>
               <a:defRPr/>
             </a:pPr>
             <a:r>
@@ -13395,7 +13368,7 @@
                 <a:latin typeface="EYInterstate" panose="02000503020000020004" pitchFamily="2" charset="0"/>
                 <a:cs typeface="Arial" pitchFamily="34" charset="0"/>
               </a:rPr>
-              <a:t>2.  </a:t>
+              <a:t>  </a:t>
             </a:r>
             <a:r>
               <a:rPr lang="en-IN" sz="1000" dirty="0"/>
@@ -13412,7 +13385,21 @@
             </a:pPr>
             <a:r>
               <a:rPr lang="en-IN" sz="1000" dirty="0"/>
-              <a:t>             forecasts.</a:t>
+              <a:t>                  forecasts.</a:t>
+            </a:r>
+          </a:p>
+          <a:p>
+            <a:pPr marL="350837" lvl="2" algn="just">
+              <a:buClr>
+                <a:srgbClr val="FFE600"/>
+              </a:buClr>
+              <a:buFont typeface="Wingdings" panose="05000000000000000000" pitchFamily="2" charset="2"/>
+              <a:buChar char="ü"/>
+              <a:defRPr/>
+            </a:pPr>
+            <a:r>
+              <a:rPr lang="en-IN" sz="1000" dirty="0"/>
+              <a:t>             Built an NLP chatbot using machine learning, leveraging text preprocessing, sentiment analysis, and LSTM for sentiment-driven</a:t>
             </a:r>
           </a:p>
           <a:p>
@@ -13425,20 +13412,7 @@
             </a:pPr>
             <a:r>
               <a:rPr lang="en-IN" sz="1000" dirty="0"/>
-              <a:t>       3.  Built an NLP chatbot using machine learning, leveraging text preprocessing, sentiment analysis, and LSTM for sentiment-driven</a:t>
-            </a:r>
-          </a:p>
-          <a:p>
-            <a:pPr marL="179387" lvl="2" indent="0" algn="just">
-              <a:buClr>
-                <a:srgbClr val="FFE600"/>
-              </a:buClr>
-              <a:buNone/>
-              <a:defRPr/>
-            </a:pPr>
-            <a:r>
-              <a:rPr lang="en-IN" sz="1000" dirty="0"/>
-              <a:t>             responses.</a:t>
+              <a:t>                  responses.</a:t>
             </a:r>
           </a:p>
           <a:p>

--- a/Mandal_Prithwish_cv.pptx
+++ b/Mandal_Prithwish_cv.pptx
@@ -13324,55 +13324,16 @@
             </a:r>
           </a:p>
           <a:p>
-            <a:pPr marL="350837" lvl="2" algn="just">
+            <a:pPr marL="179387" lvl="2" indent="0" algn="just">
               <a:buClr>
                 <a:srgbClr val="FFE600"/>
               </a:buClr>
-              <a:buFont typeface="Wingdings" panose="05000000000000000000" pitchFamily="2" charset="2"/>
-              <a:buChar char="ü"/>
+              <a:buNone/>
               <a:defRPr/>
             </a:pPr>
             <a:r>
-              <a:rPr lang="en-GB" sz="1000" dirty="0">
-                <a:solidFill>
-                  <a:srgbClr val="000000"/>
-                </a:solidFill>
-                <a:latin typeface="EYInterstate" panose="02000503020000020004" pitchFamily="2" charset="0"/>
-                <a:cs typeface="Arial" pitchFamily="34" charset="0"/>
-              </a:rPr>
-              <a:t>            </a:t>
-            </a:r>
-            <a:r>
               <a:rPr lang="en-IN" sz="1000" dirty="0"/>
-              <a:t>Extracted Aadhaar card numbers from images using OCR and deep learning for precise text recognition and parsing.</a:t>
-            </a:r>
-          </a:p>
-          <a:p>
-            <a:pPr marL="465137" lvl="2" indent="-285750" algn="just">
-              <a:buClr>
-                <a:srgbClr val="FFE600"/>
-              </a:buClr>
-              <a:buFont typeface="Wingdings" panose="05000000000000000000" pitchFamily="2" charset="2"/>
-              <a:buChar char="ü"/>
-              <a:defRPr/>
-            </a:pPr>
-            <a:r>
-              <a:rPr lang="en-IN" sz="1400" dirty="0">
-                <a:latin typeface="EYInterstate" panose="02000503020000020004" pitchFamily="2" charset="0"/>
-                <a:cs typeface="Arial" pitchFamily="34" charset="0"/>
-              </a:rPr>
-              <a:t>     </a:t>
-            </a:r>
-            <a:r>
-              <a:rPr lang="en-IN" sz="1000" dirty="0">
-                <a:latin typeface="EYInterstate" panose="02000503020000020004" pitchFamily="2" charset="0"/>
-                <a:cs typeface="Arial" pitchFamily="34" charset="0"/>
-              </a:rPr>
-              <a:t>  </a:t>
-            </a:r>
-            <a:r>
-              <a:rPr lang="en-IN" sz="1000" dirty="0"/>
-              <a:t>Developed a flight availability prediction API using deep learning, leveraging datasets and weather conditions for accurate </a:t>
+              <a:t>           Extracted Aadhaar card numbers from images using OCR and deep learning for precise text recognition and parsing.</a:t>
             </a:r>
           </a:p>
           <a:p>
@@ -13385,21 +13346,7 @@
             </a:pPr>
             <a:r>
               <a:rPr lang="en-IN" sz="1000" dirty="0"/>
-              <a:t>                  forecasts.</a:t>
-            </a:r>
-          </a:p>
-          <a:p>
-            <a:pPr marL="350837" lvl="2" algn="just">
-              <a:buClr>
-                <a:srgbClr val="FFE600"/>
-              </a:buClr>
-              <a:buFont typeface="Wingdings" panose="05000000000000000000" pitchFamily="2" charset="2"/>
-              <a:buChar char="ü"/>
-              <a:defRPr/>
-            </a:pPr>
-            <a:r>
-              <a:rPr lang="en-IN" sz="1000" dirty="0"/>
-              <a:t>             Built an NLP chatbot using machine learning, leveraging text preprocessing, sentiment analysis, and LSTM for sentiment-driven</a:t>
+              <a:t>           Developed a flight availability prediction API using deep learning, leveraging datasets and weather conditions for accurate </a:t>
             </a:r>
           </a:p>
           <a:p>
@@ -13412,7 +13359,33 @@
             </a:pPr>
             <a:r>
               <a:rPr lang="en-IN" sz="1000" dirty="0"/>
-              <a:t>                  responses.</a:t>
+              <a:t>           forecasts.</a:t>
+            </a:r>
+          </a:p>
+          <a:p>
+            <a:pPr marL="179387" lvl="2" indent="0" algn="just">
+              <a:buClr>
+                <a:srgbClr val="FFE600"/>
+              </a:buClr>
+              <a:buNone/>
+              <a:defRPr/>
+            </a:pPr>
+            <a:r>
+              <a:rPr lang="en-IN" sz="1000" dirty="0"/>
+              <a:t>           Built an NLP chatbot using machine learning, leveraging text preprocessing, sentiment analysis, and LSTM for sentiment-driven</a:t>
+            </a:r>
+          </a:p>
+          <a:p>
+            <a:pPr marL="179387" lvl="2" indent="0" algn="just">
+              <a:buClr>
+                <a:srgbClr val="FFE600"/>
+              </a:buClr>
+              <a:buNone/>
+              <a:defRPr/>
+            </a:pPr>
+            <a:r>
+              <a:rPr lang="en-IN" sz="1000" dirty="0"/>
+              <a:t>           responses.</a:t>
             </a:r>
           </a:p>
           <a:p>
@@ -14938,42 +14911,42 @@
           <p:nvPr>
             <p:extLst>
               <p:ext uri="{D42A27DB-BD31-4B8C-83A1-F6EECF244321}">
-                <p14:modId xmlns:p14="http://schemas.microsoft.com/office/powerpoint/2010/main" val="2317010869"/>
+                <p14:modId xmlns:p14="http://schemas.microsoft.com/office/powerpoint/2010/main" val="4243317150"/>
               </p:ext>
             </p:extLst>
           </p:nvPr>
         </p:nvGraphicFramePr>
         <p:xfrm>
-          <a:off x="4288715" y="-20320"/>
-          <a:ext cx="4824805" cy="1836420"/>
+          <a:off x="3271525" y="-71119"/>
+          <a:ext cx="5841996" cy="1887219"/>
         </p:xfrm>
         <a:graphic>
           <a:graphicData uri="http://schemas.openxmlformats.org/drawingml/2006/table">
             <a:tbl>
               <a:tblPr firstRow="1" bandRow="1"/>
               <a:tblGrid>
-                <a:gridCol w="1016470">
+                <a:gridCol w="1230768">
                   <a:extLst>
                     <a:ext uri="{9D8B030D-6E8A-4147-A177-3AD203B41FA5}">
                       <a16:colId xmlns:a16="http://schemas.microsoft.com/office/drawing/2014/main" val="2488110130"/>
                     </a:ext>
                   </a:extLst>
                 </a:gridCol>
-                <a:gridCol w="991808">
+                <a:gridCol w="1200906">
                   <a:extLst>
                     <a:ext uri="{9D8B030D-6E8A-4147-A177-3AD203B41FA5}">
                       <a16:colId xmlns:a16="http://schemas.microsoft.com/office/drawing/2014/main" val="20000"/>
                     </a:ext>
                   </a:extLst>
                 </a:gridCol>
-                <a:gridCol w="1365608">
+                <a:gridCol w="1653513">
                   <a:extLst>
                     <a:ext uri="{9D8B030D-6E8A-4147-A177-3AD203B41FA5}">
                       <a16:colId xmlns:a16="http://schemas.microsoft.com/office/drawing/2014/main" val="3902652165"/>
                     </a:ext>
                   </a:extLst>
                 </a:gridCol>
-                <a:gridCol w="1450919">
+                <a:gridCol w="1756809">
                   <a:extLst>
                     <a:ext uri="{9D8B030D-6E8A-4147-A177-3AD203B41FA5}">
                       <a16:colId xmlns:a16="http://schemas.microsoft.com/office/drawing/2014/main" val="20002"/>
@@ -14981,7 +14954,7 @@
                   </a:extLst>
                 </a:gridCol>
               </a:tblGrid>
-              <a:tr h="224562">
+              <a:tr h="258416">
                 <a:tc gridSpan="4">
                   <a:txBody>
                     <a:bodyPr/>
@@ -15231,7 +15204,7 @@
                   </a:ext>
                 </a:extLst>
               </a:tr>
-              <a:tr h="353856">
+              <a:tr h="407201">
                 <a:tc>
                   <a:txBody>
                     <a:bodyPr/>
@@ -15854,7 +15827,7 @@
                   </a:ext>
                 </a:extLst>
               </a:tr>
-              <a:tr h="1061568">
+              <a:tr h="1221602">
                 <a:tc>
                   <a:txBody>
                     <a:bodyPr/>
@@ -15934,7 +15907,7 @@
                     </a:lstStyle>
                     <a:p>
                       <a:r>
-                        <a:rPr lang="en-IN" sz="900" b="0" dirty="0">
+                        <a:rPr lang="en-IN" sz="900" b="1" dirty="0">
                           <a:solidFill>
                             <a:schemeClr val="tx1"/>
                           </a:solidFill>
@@ -15944,7 +15917,7 @@
                       </a:r>
                     </a:p>
                     <a:p>
-                      <a:endParaRPr lang="en-IN" sz="900" b="0" dirty="0">
+                      <a:endParaRPr lang="en-IN" sz="900" b="1" dirty="0">
                         <a:solidFill>
                           <a:schemeClr val="tx1"/>
                         </a:solidFill>
@@ -15953,7 +15926,7 @@
                     </a:p>
                     <a:p>
                       <a:r>
-                        <a:rPr lang="en-IN" sz="900" b="0" dirty="0">
+                        <a:rPr lang="en-IN" sz="900" b="1" dirty="0">
                           <a:solidFill>
                             <a:schemeClr val="tx1"/>
                           </a:solidFill>
@@ -15963,7 +15936,7 @@
                       </a:r>
                     </a:p>
                     <a:p>
-                      <a:endParaRPr lang="en-IN" sz="900" b="0" dirty="0">
+                      <a:endParaRPr lang="en-IN" sz="900" b="1" dirty="0">
                         <a:solidFill>
                           <a:schemeClr val="tx1"/>
                         </a:solidFill>
@@ -15972,7 +15945,7 @@
                     </a:p>
                     <a:p>
                       <a:r>
-                        <a:rPr lang="en-IN" sz="900" b="0" dirty="0">
+                        <a:rPr lang="en-IN" sz="900" b="1" dirty="0">
                           <a:solidFill>
                             <a:schemeClr val="tx1"/>
                           </a:solidFill>
@@ -16121,7 +16094,7 @@
                     </a:lstStyle>
                     <a:p>
                       <a:r>
-                        <a:rPr lang="en-IN" sz="900" b="0" dirty="0">
+                        <a:rPr lang="en-IN" sz="900" b="1" dirty="0">
                           <a:solidFill>
                             <a:schemeClr val="tx1"/>
                           </a:solidFill>
@@ -16130,7 +16103,7 @@
                         <a:t>GitHub Actions,</a:t>
                       </a:r>
                       <a:br>
-                        <a:rPr lang="en-IN" sz="900" b="0" dirty="0">
+                        <a:rPr lang="en-IN" sz="900" b="1" dirty="0">
                           <a:solidFill>
                             <a:schemeClr val="tx1"/>
                           </a:solidFill>
@@ -16138,7 +16111,7 @@
                         </a:rPr>
                       </a:br>
                       <a:br>
-                        <a:rPr lang="en-IN" sz="900" b="0" dirty="0">
+                        <a:rPr lang="en-IN" sz="900" b="1" dirty="0">
                           <a:solidFill>
                             <a:schemeClr val="tx1"/>
                           </a:solidFill>
@@ -16146,7 +16119,7 @@
                         </a:rPr>
                       </a:br>
                       <a:r>
-                        <a:rPr lang="en-IN" sz="900" b="0" dirty="0">
+                        <a:rPr lang="en-IN" sz="900" b="1" dirty="0">
                           <a:solidFill>
                             <a:schemeClr val="tx1"/>
                           </a:solidFill>
@@ -16155,7 +16128,7 @@
                         <a:t>Terraform , Ansible</a:t>
                       </a:r>
                       <a:br>
-                        <a:rPr lang="en-IN" sz="900" b="0" dirty="0">
+                        <a:rPr lang="en-IN" sz="900" b="1" dirty="0">
                           <a:solidFill>
                             <a:schemeClr val="tx1"/>
                           </a:solidFill>
@@ -16163,7 +16136,7 @@
                         </a:rPr>
                       </a:br>
                       <a:br>
-                        <a:rPr lang="en-IN" sz="900" b="0" dirty="0">
+                        <a:rPr lang="en-IN" sz="900" b="1" dirty="0">
                           <a:solidFill>
                             <a:schemeClr val="tx1"/>
                           </a:solidFill>
@@ -16171,7 +16144,7 @@
                         </a:rPr>
                       </a:br>
                       <a:r>
-                        <a:rPr lang="en-IN" sz="900" b="0" dirty="0">
+                        <a:rPr lang="en-IN" sz="900" b="1" dirty="0">
                           <a:solidFill>
                             <a:schemeClr val="tx1"/>
                           </a:solidFill>
@@ -16320,7 +16293,7 @@
                     </a:lstStyle>
                     <a:p>
                       <a:r>
-                        <a:rPr lang="en-IN" sz="900" b="0" dirty="0">
+                        <a:rPr lang="en-IN" sz="900" b="1" dirty="0">
                           <a:solidFill>
                             <a:schemeClr val="tx1"/>
                           </a:solidFill>
@@ -16329,7 +16302,7 @@
                         <a:t>AWS , Azure</a:t>
                       </a:r>
                       <a:br>
-                        <a:rPr lang="en-IN" sz="900" b="0" dirty="0">
+                        <a:rPr lang="en-IN" sz="900" b="1" dirty="0">
                           <a:solidFill>
                             <a:schemeClr val="tx1"/>
                           </a:solidFill>
@@ -16337,7 +16310,7 @@
                         </a:rPr>
                       </a:br>
                       <a:br>
-                        <a:rPr lang="en-IN" sz="900" b="0" dirty="0">
+                        <a:rPr lang="en-IN" sz="900" b="1" dirty="0">
                           <a:solidFill>
                             <a:schemeClr val="tx1"/>
                           </a:solidFill>
@@ -16345,7 +16318,7 @@
                         </a:rPr>
                       </a:br>
                       <a:r>
-                        <a:rPr lang="en-IN" sz="900" b="0" dirty="0">
+                        <a:rPr lang="en-IN" sz="900" b="1" dirty="0">
                           <a:solidFill>
                             <a:schemeClr val="tx1"/>
                           </a:solidFill>
@@ -16355,7 +16328,7 @@
                       </a:r>
                     </a:p>
                     <a:p>
-                      <a:endParaRPr lang="en-IN" sz="900" b="0" dirty="0">
+                      <a:endParaRPr lang="en-IN" sz="900" b="1" dirty="0">
                         <a:solidFill>
                           <a:schemeClr val="tx1"/>
                         </a:solidFill>
@@ -16364,7 +16337,7 @@
                     </a:p>
                     <a:p>
                       <a:r>
-                        <a:rPr lang="en-IN" sz="900" b="0" dirty="0">
+                        <a:rPr lang="en-IN" sz="900" b="1" dirty="0">
                           <a:solidFill>
                             <a:schemeClr val="tx1"/>
                           </a:solidFill>
@@ -16560,17 +16533,17 @@
                         <a:defRPr/>
                       </a:pPr>
                       <a:r>
-                        <a:rPr lang="en-IN" sz="900" b="0" dirty="0">
+                        <a:rPr lang="en-IN" sz="900" b="1" dirty="0">
                           <a:latin typeface="EYInterstate" panose="02000503020000020004" pitchFamily="2" charset="0"/>
                         </a:rPr>
                         <a:t>Django , Flask</a:t>
                       </a:r>
                       <a:br>
-                        <a:rPr lang="en-IN" sz="900" b="0" dirty="0">
+                        <a:rPr lang="en-IN" sz="900" b="1" dirty="0">
                           <a:latin typeface="EYInterstate" panose="02000503020000020004" pitchFamily="2" charset="0"/>
                         </a:rPr>
                       </a:br>
-                      <a:endParaRPr lang="en-IN" sz="900" b="0" dirty="0">
+                      <a:endParaRPr lang="en-IN" sz="900" b="1" dirty="0">
                         <a:latin typeface="EYInterstate" panose="02000503020000020004" pitchFamily="2" charset="0"/>
                       </a:endParaRPr>
                     </a:p>
@@ -16593,7 +16566,7 @@
                         <a:defRPr/>
                       </a:pPr>
                       <a:r>
-                        <a:rPr lang="en-IN" sz="900" b="0" dirty="0">
+                        <a:rPr lang="en-IN" sz="900" b="1" dirty="0">
                           <a:latin typeface="EYInterstate" panose="02000503020000020004" pitchFamily="2" charset="0"/>
                         </a:rPr>
                         <a:t>Spring Boot Framework</a:t>

--- a/Mandal_Prithwish_cv.pptx
+++ b/Mandal_Prithwish_cv.pptx
@@ -12254,8 +12254,8 @@
         </p:nvGrpSpPr>
         <p:grpSpPr>
           <a:xfrm>
-            <a:off x="155360" y="114879"/>
-            <a:ext cx="9984315" cy="1504778"/>
+            <a:off x="0" y="114879"/>
+            <a:ext cx="10139675" cy="1454496"/>
             <a:chOff x="2406003" y="332619"/>
             <a:chExt cx="9220653" cy="949772"/>
           </a:xfrm>
@@ -14911,42 +14911,42 @@
           <p:nvPr>
             <p:extLst>
               <p:ext uri="{D42A27DB-BD31-4B8C-83A1-F6EECF244321}">
-                <p14:modId xmlns:p14="http://schemas.microsoft.com/office/powerpoint/2010/main" val="4243317150"/>
+                <p14:modId xmlns:p14="http://schemas.microsoft.com/office/powerpoint/2010/main" val="2875172806"/>
               </p:ext>
             </p:extLst>
           </p:nvPr>
         </p:nvGraphicFramePr>
         <p:xfrm>
-          <a:off x="3271525" y="-71119"/>
-          <a:ext cx="5841996" cy="1887219"/>
+          <a:off x="3078480" y="-143089"/>
+          <a:ext cx="6431280" cy="1684020"/>
         </p:xfrm>
         <a:graphic>
           <a:graphicData uri="http://schemas.openxmlformats.org/drawingml/2006/table">
             <a:tbl>
               <a:tblPr firstRow="1" bandRow="1"/>
               <a:tblGrid>
-                <a:gridCol w="1230768">
+                <a:gridCol w="1354916">
                   <a:extLst>
                     <a:ext uri="{9D8B030D-6E8A-4147-A177-3AD203B41FA5}">
                       <a16:colId xmlns:a16="http://schemas.microsoft.com/office/drawing/2014/main" val="2488110130"/>
                     </a:ext>
                   </a:extLst>
                 </a:gridCol>
-                <a:gridCol w="1200906">
+                <a:gridCol w="1322041">
                   <a:extLst>
                     <a:ext uri="{9D8B030D-6E8A-4147-A177-3AD203B41FA5}">
                       <a16:colId xmlns:a16="http://schemas.microsoft.com/office/drawing/2014/main" val="20000"/>
                     </a:ext>
                   </a:extLst>
                 </a:gridCol>
-                <a:gridCol w="1653513">
+                <a:gridCol w="1820304">
                   <a:extLst>
                     <a:ext uri="{9D8B030D-6E8A-4147-A177-3AD203B41FA5}">
                       <a16:colId xmlns:a16="http://schemas.microsoft.com/office/drawing/2014/main" val="3902652165"/>
                     </a:ext>
                   </a:extLst>
                 </a:gridCol>
-                <a:gridCol w="1756809">
+                <a:gridCol w="1934019">
                   <a:extLst>
                     <a:ext uri="{9D8B030D-6E8A-4147-A177-3AD203B41FA5}">
                       <a16:colId xmlns:a16="http://schemas.microsoft.com/office/drawing/2014/main" val="20002"/>
@@ -14954,7 +14954,7 @@
                   </a:extLst>
                 </a:gridCol>
               </a:tblGrid>
-              <a:tr h="258416">
+              <a:tr h="222077">
                 <a:tc gridSpan="4">
                   <a:txBody>
                     <a:bodyPr/>
@@ -15204,7 +15204,7 @@
                   </a:ext>
                 </a:extLst>
               </a:tr>
-              <a:tr h="407201">
+              <a:tr h="215348">
                 <a:tc>
                   <a:txBody>
                     <a:bodyPr/>
@@ -15827,7 +15827,7 @@
                   </a:ext>
                 </a:extLst>
               </a:tr>
-              <a:tr h="1221602">
+              <a:tr h="1049819">
                 <a:tc>
                   <a:txBody>
                     <a:bodyPr/>
@@ -16715,7 +16715,7 @@
         </p:blipFill>
         <p:spPr>
           <a:xfrm>
-            <a:off x="9632551" y="87566"/>
+            <a:off x="9756459" y="95162"/>
             <a:ext cx="1215570" cy="1215570"/>
           </a:xfrm>
           <a:prstGeom prst="rect">

--- a/Mandal_Prithwish_cv.pptx
+++ b/Mandal_Prithwish_cv.pptx
@@ -12254,7 +12254,7 @@
         </p:nvGrpSpPr>
         <p:grpSpPr>
           <a:xfrm>
-            <a:off x="0" y="114879"/>
+            <a:off x="133040" y="148084"/>
             <a:ext cx="10139675" cy="1454496"/>
             <a:chOff x="2406003" y="332619"/>
             <a:chExt cx="9220653" cy="949772"/>
@@ -14911,42 +14911,42 @@
           <p:nvPr>
             <p:extLst>
               <p:ext uri="{D42A27DB-BD31-4B8C-83A1-F6EECF244321}">
-                <p14:modId xmlns:p14="http://schemas.microsoft.com/office/powerpoint/2010/main" val="2875172806"/>
+                <p14:modId xmlns:p14="http://schemas.microsoft.com/office/powerpoint/2010/main" val="3621228402"/>
               </p:ext>
             </p:extLst>
           </p:nvPr>
         </p:nvGraphicFramePr>
         <p:xfrm>
-          <a:off x="3078480" y="-143089"/>
-          <a:ext cx="6431280" cy="1684020"/>
+          <a:off x="3058409" y="-325120"/>
+          <a:ext cx="6166871" cy="1826267"/>
         </p:xfrm>
         <a:graphic>
           <a:graphicData uri="http://schemas.openxmlformats.org/drawingml/2006/table">
             <a:tbl>
               <a:tblPr firstRow="1" bandRow="1"/>
               <a:tblGrid>
-                <a:gridCol w="1354916">
+                <a:gridCol w="1299212">
                   <a:extLst>
                     <a:ext uri="{9D8B030D-6E8A-4147-A177-3AD203B41FA5}">
                       <a16:colId xmlns:a16="http://schemas.microsoft.com/office/drawing/2014/main" val="2488110130"/>
                     </a:ext>
                   </a:extLst>
                 </a:gridCol>
-                <a:gridCol w="1322041">
+                <a:gridCol w="1267688">
                   <a:extLst>
                     <a:ext uri="{9D8B030D-6E8A-4147-A177-3AD203B41FA5}">
                       <a16:colId xmlns:a16="http://schemas.microsoft.com/office/drawing/2014/main" val="20000"/>
                     </a:ext>
                   </a:extLst>
                 </a:gridCol>
-                <a:gridCol w="1820304">
+                <a:gridCol w="1745466">
                   <a:extLst>
                     <a:ext uri="{9D8B030D-6E8A-4147-A177-3AD203B41FA5}">
                       <a16:colId xmlns:a16="http://schemas.microsoft.com/office/drawing/2014/main" val="3902652165"/>
                     </a:ext>
                   </a:extLst>
                 </a:gridCol>
-                <a:gridCol w="1934019">
+                <a:gridCol w="1854505">
                   <a:extLst>
                     <a:ext uri="{9D8B030D-6E8A-4147-A177-3AD203B41FA5}">
                       <a16:colId xmlns:a16="http://schemas.microsoft.com/office/drawing/2014/main" val="20002"/>
@@ -14954,7 +14954,7 @@
                   </a:extLst>
                 </a:gridCol>
               </a:tblGrid>
-              <a:tr h="222077">
+              <a:tr h="272700">
                 <a:tc gridSpan="4">
                   <a:txBody>
                     <a:bodyPr/>
@@ -15204,7 +15204,7 @@
                   </a:ext>
                 </a:extLst>
               </a:tr>
-              <a:tr h="215348">
+              <a:tr h="264437">
                 <a:tc>
                   <a:txBody>
                     <a:bodyPr/>
@@ -15827,7 +15827,7 @@
                   </a:ext>
                 </a:extLst>
               </a:tr>
-              <a:tr h="1049819">
+              <a:tr h="1289130">
                 <a:tc>
                   <a:txBody>
                     <a:bodyPr/>

--- a/Mandal_Prithwish_cv.pptx
+++ b/Mandal_Prithwish_cv.pptx
@@ -14911,42 +14911,42 @@
           <p:nvPr>
             <p:extLst>
               <p:ext uri="{D42A27DB-BD31-4B8C-83A1-F6EECF244321}">
-                <p14:modId xmlns:p14="http://schemas.microsoft.com/office/powerpoint/2010/main" val="3621228402"/>
+                <p14:modId xmlns:p14="http://schemas.microsoft.com/office/powerpoint/2010/main" val="2984879250"/>
               </p:ext>
             </p:extLst>
           </p:nvPr>
         </p:nvGraphicFramePr>
         <p:xfrm>
-          <a:off x="3058409" y="-325120"/>
-          <a:ext cx="6166871" cy="1826267"/>
+          <a:off x="2542152" y="-416700"/>
+          <a:ext cx="6797040" cy="1925921"/>
         </p:xfrm>
         <a:graphic>
           <a:graphicData uri="http://schemas.openxmlformats.org/drawingml/2006/table">
             <a:tbl>
               <a:tblPr firstRow="1" bandRow="1"/>
               <a:tblGrid>
-                <a:gridCol w="1299212">
+                <a:gridCol w="1431974">
                   <a:extLst>
                     <a:ext uri="{9D8B030D-6E8A-4147-A177-3AD203B41FA5}">
                       <a16:colId xmlns:a16="http://schemas.microsoft.com/office/drawing/2014/main" val="2488110130"/>
                     </a:ext>
                   </a:extLst>
                 </a:gridCol>
-                <a:gridCol w="1267688">
+                <a:gridCol w="1397227">
                   <a:extLst>
                     <a:ext uri="{9D8B030D-6E8A-4147-A177-3AD203B41FA5}">
                       <a16:colId xmlns:a16="http://schemas.microsoft.com/office/drawing/2014/main" val="20000"/>
                     </a:ext>
                   </a:extLst>
                 </a:gridCol>
-                <a:gridCol w="1745466">
+                <a:gridCol w="1923829">
                   <a:extLst>
                     <a:ext uri="{9D8B030D-6E8A-4147-A177-3AD203B41FA5}">
                       <a16:colId xmlns:a16="http://schemas.microsoft.com/office/drawing/2014/main" val="3902652165"/>
                     </a:ext>
                   </a:extLst>
                 </a:gridCol>
-                <a:gridCol w="1854505">
+                <a:gridCol w="2044010">
                   <a:extLst>
                     <a:ext uri="{9D8B030D-6E8A-4147-A177-3AD203B41FA5}">
                       <a16:colId xmlns:a16="http://schemas.microsoft.com/office/drawing/2014/main" val="20002"/>
@@ -14954,7 +14954,7 @@
                   </a:extLst>
                 </a:gridCol>
               </a:tblGrid>
-              <a:tr h="272700">
+              <a:tr h="365760">
                 <a:tc gridSpan="4">
                   <a:txBody>
                     <a:bodyPr/>
@@ -15204,7 +15204,7 @@
                   </a:ext>
                 </a:extLst>
               </a:tr>
-              <a:tr h="264437">
+              <a:tr h="265559">
                 <a:tc>
                   <a:txBody>
                     <a:bodyPr/>
@@ -15827,7 +15827,7 @@
                   </a:ext>
                 </a:extLst>
               </a:tr>
-              <a:tr h="1289130">
+              <a:tr h="1294602">
                 <a:tc>
                   <a:txBody>
                     <a:bodyPr/>
